--- a/IEAS_K/document/git_v4.pptx
+++ b/IEAS_K/document/git_v4.pptx
@@ -223,7 +223,7 @@
           <a:p>
             <a:fld id="{A435B457-AF17-4A22-B4E6-015222BB2025}" type="datetimeFigureOut">
               <a:rPr lang="ko-KR" altLang="en-US" smtClean="0"/>
-              <a:t>2018-04-17</a:t>
+              <a:t>2018-09-20</a:t>
             </a:fld>
             <a:endParaRPr lang="ko-KR" altLang="en-US"/>
           </a:p>
@@ -669,7 +669,7 @@
           <a:p>
             <a:fld id="{02861C3A-D36A-4413-B803-7EFD882169EF}" type="datetime1">
               <a:rPr lang="ko-KR" altLang="en-US" smtClean="0"/>
-              <a:t>2018-04-17</a:t>
+              <a:t>2018-09-20</a:t>
             </a:fld>
             <a:endParaRPr lang="ko-KR" altLang="en-US"/>
           </a:p>
@@ -832,7 +832,7 @@
           <a:p>
             <a:fld id="{ACFCAD78-F9BC-46DC-BD51-EEDD45B46879}" type="datetime1">
               <a:rPr lang="ko-KR" altLang="en-US" smtClean="0"/>
-              <a:t>2018-04-17</a:t>
+              <a:t>2018-09-20</a:t>
             </a:fld>
             <a:endParaRPr lang="ko-KR" altLang="en-US"/>
           </a:p>
@@ -1005,7 +1005,7 @@
           <a:p>
             <a:fld id="{B9F49C60-3396-4A2D-B795-CFF0D74C5B9E}" type="datetime1">
               <a:rPr lang="ko-KR" altLang="en-US" smtClean="0"/>
-              <a:t>2018-04-17</a:t>
+              <a:t>2018-09-20</a:t>
             </a:fld>
             <a:endParaRPr lang="ko-KR" altLang="en-US"/>
           </a:p>
@@ -1168,7 +1168,7 @@
           <a:p>
             <a:fld id="{F2BA88DF-3D7D-4BBF-B0FF-C84D5FC1FF57}" type="datetime1">
               <a:rPr lang="ko-KR" altLang="en-US" smtClean="0"/>
-              <a:t>2018-04-17</a:t>
+              <a:t>2018-09-20</a:t>
             </a:fld>
             <a:endParaRPr lang="ko-KR" altLang="en-US"/>
           </a:p>
@@ -1408,7 +1408,7 @@
           <a:p>
             <a:fld id="{85797306-8CFD-4F81-89B3-12499713FF28}" type="datetime1">
               <a:rPr lang="ko-KR" altLang="en-US" smtClean="0"/>
-              <a:t>2018-04-17</a:t>
+              <a:t>2018-09-20</a:t>
             </a:fld>
             <a:endParaRPr lang="ko-KR" altLang="en-US"/>
           </a:p>
@@ -1688,7 +1688,7 @@
           <a:p>
             <a:fld id="{EB905281-B0AD-4CCE-88A8-8247D784AD52}" type="datetime1">
               <a:rPr lang="ko-KR" altLang="en-US" smtClean="0"/>
-              <a:t>2018-04-17</a:t>
+              <a:t>2018-09-20</a:t>
             </a:fld>
             <a:endParaRPr lang="ko-KR" altLang="en-US"/>
           </a:p>
@@ -2102,7 +2102,7 @@
           <a:p>
             <a:fld id="{2C95544C-6E03-473A-8335-A025B2A6EDBB}" type="datetime1">
               <a:rPr lang="ko-KR" altLang="en-US" smtClean="0"/>
-              <a:t>2018-04-17</a:t>
+              <a:t>2018-09-20</a:t>
             </a:fld>
             <a:endParaRPr lang="ko-KR" altLang="en-US"/>
           </a:p>
@@ -2214,7 +2214,7 @@
           <a:p>
             <a:fld id="{F07877FB-D416-4A85-A6A4-B627F2FB384E}" type="datetime1">
               <a:rPr lang="ko-KR" altLang="en-US" smtClean="0"/>
-              <a:t>2018-04-17</a:t>
+              <a:t>2018-09-20</a:t>
             </a:fld>
             <a:endParaRPr lang="ko-KR" altLang="en-US"/>
           </a:p>
@@ -2304,7 +2304,7 @@
           <a:p>
             <a:fld id="{A8E01040-31B1-4CB0-9DFB-A83266C8952B}" type="datetime1">
               <a:rPr lang="ko-KR" altLang="en-US" smtClean="0"/>
-              <a:t>2018-04-17</a:t>
+              <a:t>2018-09-20</a:t>
             </a:fld>
             <a:endParaRPr lang="ko-KR" altLang="en-US"/>
           </a:p>
@@ -2574,7 +2574,7 @@
           <a:p>
             <a:fld id="{C4AC53BA-CE9E-443B-B3AB-05921320C645}" type="datetime1">
               <a:rPr lang="ko-KR" altLang="en-US" smtClean="0"/>
-              <a:t>2018-04-17</a:t>
+              <a:t>2018-09-20</a:t>
             </a:fld>
             <a:endParaRPr lang="ko-KR" altLang="en-US"/>
           </a:p>
@@ -2821,7 +2821,7 @@
           <a:p>
             <a:fld id="{BD9C9E4A-9118-4679-AD88-3EC71CDBA68A}" type="datetime1">
               <a:rPr lang="ko-KR" altLang="en-US" smtClean="0"/>
-              <a:t>2018-04-17</a:t>
+              <a:t>2018-09-20</a:t>
             </a:fld>
             <a:endParaRPr lang="ko-KR" altLang="en-US"/>
           </a:p>
@@ -3027,7 +3027,7 @@
           <a:p>
             <a:fld id="{6D5D182E-4EBA-4E15-9D50-493F488CA221}" type="datetime1">
               <a:rPr lang="ko-KR" altLang="en-US" smtClean="0"/>
-              <a:t>2018-04-17</a:t>
+              <a:t>2018-09-20</a:t>
             </a:fld>
             <a:endParaRPr lang="ko-KR" altLang="en-US"/>
           </a:p>
@@ -7033,15 +7033,7 @@
                   <a:srgbClr val="FF0000"/>
                 </a:solidFill>
               </a:rPr>
-              <a:t>“</a:t>
-            </a:r>
-            <a:r>
-              <a:rPr lang="en-US" altLang="ko-KR" dirty="0" err="1">
-                <a:solidFill>
-                  <a:srgbClr val="FF0000"/>
-                </a:solidFill>
-              </a:rPr>
-              <a:t>oop</a:t>
+              <a:t>“cp</a:t>
             </a:r>
             <a:r>
               <a:rPr lang="ko-KR" altLang="en-US" dirty="0">
@@ -7087,6 +7079,60 @@
               <a:rPr lang="ko-KR" altLang="en-US" smtClean="0"/>
               <a:t>5</a:t>
             </a:fld>
+            <a:endParaRPr lang="ko-KR" altLang="en-US"/>
+          </a:p>
+        </p:txBody>
+      </p:sp>
+      <p:sp>
+        <p:nvSpPr>
+          <p:cNvPr id="17" name="직사각형 16">
+            <a:extLst>
+              <a:ext uri="{FF2B5EF4-FFF2-40B4-BE49-F238E27FC236}">
+                <a16:creationId xmlns:a16="http://schemas.microsoft.com/office/drawing/2014/main" id="{193D5298-A80B-48AD-83C0-BACE83AE6997}"/>
+              </a:ext>
+            </a:extLst>
+          </p:cNvPr>
+          <p:cNvSpPr/>
+          <p:nvPr/>
+        </p:nvSpPr>
+        <p:spPr>
+          <a:xfrm>
+            <a:off x="4435925" y="4709394"/>
+            <a:ext cx="1651012" cy="504056"/>
+          </a:xfrm>
+          <a:prstGeom prst="rect">
+            <a:avLst/>
+          </a:prstGeom>
+          <a:noFill/>
+          <a:ln w="28575" cap="flat" cmpd="sng" algn="ctr">
+            <a:solidFill>
+              <a:srgbClr val="FF0000"/>
+            </a:solidFill>
+            <a:prstDash val="solid"/>
+            <a:round/>
+            <a:headEnd type="none" w="med" len="med"/>
+            <a:tailEnd type="none" w="med" len="med"/>
+          </a:ln>
+        </p:spPr>
+        <p:style>
+          <a:lnRef idx="0">
+            <a:scrgbClr r="0" g="0" b="0"/>
+          </a:lnRef>
+          <a:fillRef idx="0">
+            <a:scrgbClr r="0" g="0" b="0"/>
+          </a:fillRef>
+          <a:effectRef idx="0">
+            <a:scrgbClr r="0" g="0" b="0"/>
+          </a:effectRef>
+          <a:fontRef idx="minor">
+            <a:schemeClr val="accent2"/>
+          </a:fontRef>
+        </p:style>
+        <p:txBody>
+          <a:bodyPr rtlCol="0" anchor="ctr"/>
+          <a:lstStyle/>
+          <a:p>
+            <a:pPr algn="ctr"/>
             <a:endParaRPr lang="ko-KR" altLang="en-US"/>
           </a:p>
         </p:txBody>
